--- a/presentation/Sydney Azure User Group - Node.js .pptx
+++ b/presentation/Sydney Azure User Group - Node.js .pptx
@@ -222,7 +222,7 @@
             <a:fld id="{7785875F-706E-40BB-864A-2D06F0E4670E}" type="datetimeFigureOut">
               <a:rPr lang="en-AU" smtClean="0"/>
               <a:pPr/>
-              <a:t>6/02/2012</a:t>
+              <a:t>13/02/2012</a:t>
             </a:fld>
             <a:endParaRPr lang="en-AU" dirty="0"/>
           </a:p>
@@ -389,7 +389,7 @@
             <a:fld id="{7DDF49B5-0C03-42A4-A086-8D97D52D2493}" type="datetimeFigureOut">
               <a:rPr lang="en-AU" smtClean="0"/>
               <a:pPr/>
-              <a:t>6/02/2012</a:t>
+              <a:t>13/02/2012</a:t>
             </a:fld>
             <a:endParaRPr lang="en-AU" dirty="0"/>
           </a:p>
@@ -2684,7 +2684,7 @@
             <a:fld id="{CA10310C-7EC1-470A-8BF5-D51EF2D864BA}" type="datetimeFigureOut">
               <a:rPr lang="en-AU" smtClean="0"/>
               <a:pPr/>
-              <a:t>6/02/2012</a:t>
+              <a:t>13/02/2012</a:t>
             </a:fld>
             <a:endParaRPr lang="en-AU"/>
           </a:p>
@@ -2851,7 +2851,7 @@
             <a:fld id="{CA10310C-7EC1-470A-8BF5-D51EF2D864BA}" type="datetimeFigureOut">
               <a:rPr lang="en-AU" smtClean="0"/>
               <a:pPr/>
-              <a:t>6/02/2012</a:t>
+              <a:t>13/02/2012</a:t>
             </a:fld>
             <a:endParaRPr lang="en-AU"/>
           </a:p>
@@ -3094,7 +3094,7 @@
             <a:fld id="{CA10310C-7EC1-470A-8BF5-D51EF2D864BA}" type="datetimeFigureOut">
               <a:rPr lang="en-AU" smtClean="0"/>
               <a:pPr/>
-              <a:t>6/02/2012</a:t>
+              <a:t>13/02/2012</a:t>
             </a:fld>
             <a:endParaRPr lang="en-AU"/>
           </a:p>
@@ -3379,7 +3379,7 @@
             <a:fld id="{CA10310C-7EC1-470A-8BF5-D51EF2D864BA}" type="datetimeFigureOut">
               <a:rPr lang="en-AU" smtClean="0"/>
               <a:pPr/>
-              <a:t>6/02/2012</a:t>
+              <a:t>13/02/2012</a:t>
             </a:fld>
             <a:endParaRPr lang="en-AU"/>
           </a:p>
@@ -3798,7 +3798,7 @@
             <a:fld id="{CA10310C-7EC1-470A-8BF5-D51EF2D864BA}" type="datetimeFigureOut">
               <a:rPr lang="en-AU" smtClean="0"/>
               <a:pPr/>
-              <a:t>6/02/2012</a:t>
+              <a:t>13/02/2012</a:t>
             </a:fld>
             <a:endParaRPr lang="en-AU"/>
           </a:p>
@@ -3913,7 +3913,7 @@
             <a:fld id="{CA10310C-7EC1-470A-8BF5-D51EF2D864BA}" type="datetimeFigureOut">
               <a:rPr lang="en-AU" smtClean="0"/>
               <a:pPr/>
-              <a:t>6/02/2012</a:t>
+              <a:t>13/02/2012</a:t>
             </a:fld>
             <a:endParaRPr lang="en-AU"/>
           </a:p>
@@ -4005,7 +4005,7 @@
             <a:fld id="{CA10310C-7EC1-470A-8BF5-D51EF2D864BA}" type="datetimeFigureOut">
               <a:rPr lang="en-AU" smtClean="0"/>
               <a:pPr/>
-              <a:t>6/02/2012</a:t>
+              <a:t>13/02/2012</a:t>
             </a:fld>
             <a:endParaRPr lang="en-AU"/>
           </a:p>
@@ -4279,7 +4279,7 @@
             <a:fld id="{CA10310C-7EC1-470A-8BF5-D51EF2D864BA}" type="datetimeFigureOut">
               <a:rPr lang="en-AU" smtClean="0"/>
               <a:pPr/>
-              <a:t>6/02/2012</a:t>
+              <a:t>13/02/2012</a:t>
             </a:fld>
             <a:endParaRPr lang="en-AU"/>
           </a:p>
@@ -4529,7 +4529,7 @@
             <a:fld id="{CA10310C-7EC1-470A-8BF5-D51EF2D864BA}" type="datetimeFigureOut">
               <a:rPr lang="en-AU" smtClean="0"/>
               <a:pPr/>
-              <a:t>6/02/2012</a:t>
+              <a:t>13/02/2012</a:t>
             </a:fld>
             <a:endParaRPr lang="en-AU"/>
           </a:p>
@@ -4696,7 +4696,7 @@
             <a:fld id="{CA10310C-7EC1-470A-8BF5-D51EF2D864BA}" type="datetimeFigureOut">
               <a:rPr lang="en-AU" smtClean="0"/>
               <a:pPr/>
-              <a:t>6/02/2012</a:t>
+              <a:t>13/02/2012</a:t>
             </a:fld>
             <a:endParaRPr lang="en-AU"/>
           </a:p>
@@ -4982,7 +4982,7 @@
             <a:fld id="{CA10310C-7EC1-470A-8BF5-D51EF2D864BA}" type="datetimeFigureOut">
               <a:rPr lang="en-AU" smtClean="0"/>
               <a:pPr/>
-              <a:t>6/02/2012</a:t>
+              <a:t>13/02/2012</a:t>
             </a:fld>
             <a:endParaRPr lang="en-AU"/>
           </a:p>
@@ -5221,7 +5221,7 @@
             <a:fld id="{85CE8AA0-9735-4FA2-95DD-391EE93AFE89}" type="datetimeFigureOut">
               <a:rPr lang="en-AU" smtClean="0"/>
               <a:pPr/>
-              <a:t>6/02/2012</a:t>
+              <a:t>13/02/2012</a:t>
             </a:fld>
             <a:endParaRPr lang="en-AU"/>
           </a:p>
@@ -5388,7 +5388,7 @@
             <a:fld id="{85CE8AA0-9735-4FA2-95DD-391EE93AFE89}" type="datetimeFigureOut">
               <a:rPr lang="en-AU" smtClean="0"/>
               <a:pPr/>
-              <a:t>6/02/2012</a:t>
+              <a:t>13/02/2012</a:t>
             </a:fld>
             <a:endParaRPr lang="en-AU"/>
           </a:p>
@@ -5631,7 +5631,7 @@
             <a:fld id="{85CE8AA0-9735-4FA2-95DD-391EE93AFE89}" type="datetimeFigureOut">
               <a:rPr lang="en-AU" smtClean="0"/>
               <a:pPr/>
-              <a:t>6/02/2012</a:t>
+              <a:t>13/02/2012</a:t>
             </a:fld>
             <a:endParaRPr lang="en-AU"/>
           </a:p>
@@ -5916,7 +5916,7 @@
             <a:fld id="{85CE8AA0-9735-4FA2-95DD-391EE93AFE89}" type="datetimeFigureOut">
               <a:rPr lang="en-AU" smtClean="0"/>
               <a:pPr/>
-              <a:t>6/02/2012</a:t>
+              <a:t>13/02/2012</a:t>
             </a:fld>
             <a:endParaRPr lang="en-AU"/>
           </a:p>
@@ -6335,7 +6335,7 @@
             <a:fld id="{85CE8AA0-9735-4FA2-95DD-391EE93AFE89}" type="datetimeFigureOut">
               <a:rPr lang="en-AU" smtClean="0"/>
               <a:pPr/>
-              <a:t>6/02/2012</a:t>
+              <a:t>13/02/2012</a:t>
             </a:fld>
             <a:endParaRPr lang="en-AU"/>
           </a:p>
@@ -6450,7 +6450,7 @@
             <a:fld id="{85CE8AA0-9735-4FA2-95DD-391EE93AFE89}" type="datetimeFigureOut">
               <a:rPr lang="en-AU" smtClean="0"/>
               <a:pPr/>
-              <a:t>6/02/2012</a:t>
+              <a:t>13/02/2012</a:t>
             </a:fld>
             <a:endParaRPr lang="en-AU"/>
           </a:p>
@@ -6542,7 +6542,7 @@
             <a:fld id="{85CE8AA0-9735-4FA2-95DD-391EE93AFE89}" type="datetimeFigureOut">
               <a:rPr lang="en-AU" smtClean="0"/>
               <a:pPr/>
-              <a:t>6/02/2012</a:t>
+              <a:t>13/02/2012</a:t>
             </a:fld>
             <a:endParaRPr lang="en-AU"/>
           </a:p>
@@ -6816,7 +6816,7 @@
             <a:fld id="{85CE8AA0-9735-4FA2-95DD-391EE93AFE89}" type="datetimeFigureOut">
               <a:rPr lang="en-AU" smtClean="0"/>
               <a:pPr/>
-              <a:t>6/02/2012</a:t>
+              <a:t>13/02/2012</a:t>
             </a:fld>
             <a:endParaRPr lang="en-AU"/>
           </a:p>
@@ -7066,7 +7066,7 @@
             <a:fld id="{85CE8AA0-9735-4FA2-95DD-391EE93AFE89}" type="datetimeFigureOut">
               <a:rPr lang="en-AU" smtClean="0"/>
               <a:pPr/>
-              <a:t>6/02/2012</a:t>
+              <a:t>13/02/2012</a:t>
             </a:fld>
             <a:endParaRPr lang="en-AU"/>
           </a:p>
@@ -7342,7 +7342,7 @@
             <a:fld id="{85CE8AA0-9735-4FA2-95DD-391EE93AFE89}" type="datetimeFigureOut">
               <a:rPr lang="en-AU" smtClean="0"/>
               <a:pPr/>
-              <a:t>6/02/2012</a:t>
+              <a:t>13/02/2012</a:t>
             </a:fld>
             <a:endParaRPr lang="en-AU"/>
           </a:p>
@@ -7519,7 +7519,7 @@
             <a:fld id="{85CE8AA0-9735-4FA2-95DD-391EE93AFE89}" type="datetimeFigureOut">
               <a:rPr lang="en-AU" smtClean="0"/>
               <a:pPr/>
-              <a:t>6/02/2012</a:t>
+              <a:t>13/02/2012</a:t>
             </a:fld>
             <a:endParaRPr lang="en-AU"/>
           </a:p>
@@ -7634,7 +7634,7 @@
             <a:fld id="{85CE8AA0-9735-4FA2-95DD-391EE93AFE89}" type="datetimeFigureOut">
               <a:rPr lang="en-AU" smtClean="0"/>
               <a:pPr/>
-              <a:t>6/02/2012</a:t>
+              <a:t>13/02/2012</a:t>
             </a:fld>
             <a:endParaRPr lang="en-AU"/>
           </a:p>
@@ -8722,7 +8722,7 @@
             <a:fld id="{CA10310C-7EC1-470A-8BF5-D51EF2D864BA}" type="datetimeFigureOut">
               <a:rPr lang="en-AU" smtClean="0"/>
               <a:pPr/>
-              <a:t>6/02/2012</a:t>
+              <a:t>13/02/2012</a:t>
             </a:fld>
             <a:endParaRPr lang="en-AU"/>
           </a:p>
@@ -9232,7 +9232,7 @@
             <a:fld id="{85CE8AA0-9735-4FA2-95DD-391EE93AFE89}" type="datetimeFigureOut">
               <a:rPr lang="en-AU" smtClean="0"/>
               <a:pPr/>
-              <a:t>6/02/2012</a:t>
+              <a:t>13/02/2012</a:t>
             </a:fld>
             <a:endParaRPr lang="en-AU"/>
           </a:p>
@@ -10363,7 +10363,38 @@
           <a:bodyPr/>
           <a:lstStyle/>
           <a:p>
-            <a:endParaRPr lang="en-AU"/>
+            <a:r>
+              <a:rPr lang="en-AU" dirty="0" smtClean="0"/>
+              <a:t>JavaScript  closures run on different threads from event loop</a:t>
+            </a:r>
+          </a:p>
+          <a:p>
+            <a:r>
+              <a:rPr lang="en-AU" dirty="0" smtClean="0"/>
+              <a:t>Mention </a:t>
+            </a:r>
+            <a:r>
+              <a:rPr lang="en-AU" dirty="0" err="1" smtClean="0"/>
+              <a:t>joyet</a:t>
+            </a:r>
+            <a:r>
+              <a:rPr lang="en-AU" dirty="0" smtClean="0"/>
+              <a:t> and Ryan ?</a:t>
+            </a:r>
+          </a:p>
+          <a:p>
+            <a:r>
+              <a:rPr lang="en-AU" dirty="0" smtClean="0"/>
+              <a:t>Only uses 1 core .. Need to run other stuff to </a:t>
+            </a:r>
+            <a:r>
+              <a:rPr lang="en-AU" smtClean="0"/>
+              <a:t>get multi core </a:t>
+            </a:r>
+            <a:endParaRPr lang="en-AU" dirty="0" smtClean="0"/>
+          </a:p>
+          <a:p>
+            <a:endParaRPr lang="en-AU" dirty="0"/>
           </a:p>
         </p:txBody>
       </p:sp>
@@ -10762,7 +10793,43 @@
             </a:pPr>
             <a:r>
               <a:rPr lang="en-AU" dirty="0" smtClean="0"/>
-              <a:t>POWERSHELL..</a:t>
+              <a:t>POWERSHELL</a:t>
+            </a:r>
+            <a:r>
+              <a:rPr lang="en-AU" dirty="0" smtClean="0"/>
+              <a:t>..</a:t>
+            </a:r>
+          </a:p>
+          <a:p>
+            <a:pPr marL="0" indent="0">
+              <a:buNone/>
+            </a:pPr>
+            <a:endParaRPr lang="en-AU" dirty="0"/>
+          </a:p>
+          <a:p>
+            <a:pPr marL="0" indent="0">
+              <a:buNone/>
+            </a:pPr>
+            <a:r>
+              <a:rPr lang="en-AU" dirty="0" smtClean="0"/>
+              <a:t>Cloud9ide – built purely on node</a:t>
+            </a:r>
+          </a:p>
+          <a:p>
+            <a:pPr marL="0" indent="0">
+              <a:buNone/>
+            </a:pPr>
+            <a:r>
+              <a:rPr lang="en-AU" dirty="0" smtClean="0"/>
+              <a:t>Node more active followers than </a:t>
+            </a:r>
+            <a:r>
+              <a:rPr lang="en-AU" dirty="0" err="1" smtClean="0"/>
+              <a:t>jquery</a:t>
+            </a:r>
+            <a:r>
+              <a:rPr lang="en-AU" dirty="0" smtClean="0"/>
+              <a:t>…</a:t>
             </a:r>
             <a:endParaRPr lang="en-AU" dirty="0"/>
           </a:p>
@@ -11039,11 +11106,7 @@
           <a:p>
             <a:r>
               <a:rPr lang="en-AU" dirty="0" smtClean="0"/>
-              <a:t>Session </a:t>
-            </a:r>
-            <a:r>
-              <a:rPr lang="en-AU" dirty="0" smtClean="0"/>
-              <a:t>objectives</a:t>
+              <a:t>Session objectives</a:t>
             </a:r>
             <a:endParaRPr lang="en-AU" dirty="0"/>
           </a:p>
@@ -11180,11 +11243,7 @@
           <a:p>
             <a:r>
               <a:rPr lang="en-AU" dirty="0" smtClean="0"/>
-              <a:t>What is </a:t>
-            </a:r>
-            <a:r>
-              <a:rPr lang="en-AU" dirty="0" smtClean="0"/>
-              <a:t>node.js</a:t>
+              <a:t>What is node.js</a:t>
             </a:r>
             <a:endParaRPr lang="en-AU" dirty="0"/>
           </a:p>
@@ -11209,16 +11268,11 @@
               <a:rPr lang="en-AU" dirty="0" smtClean="0"/>
               <a:t>Open source project started in 2009</a:t>
             </a:r>
-            <a:endParaRPr lang="en-AU" dirty="0" smtClean="0"/>
           </a:p>
           <a:p>
             <a:r>
               <a:rPr lang="en-AU" dirty="0" smtClean="0"/>
-              <a:t>Server </a:t>
-            </a:r>
-            <a:r>
-              <a:rPr lang="en-AU" dirty="0" smtClean="0"/>
-              <a:t>side technology for building scalable network programs.</a:t>
+              <a:t>Server side technology for building scalable network programs.</a:t>
             </a:r>
           </a:p>
           <a:p>
@@ -11230,27 +11284,7 @@
           <a:p>
             <a:r>
               <a:rPr lang="en-AU" dirty="0" smtClean="0"/>
-              <a:t>Asynchronous architecture - p</a:t>
-            </a:r>
-            <a:r>
-              <a:rPr lang="en-AU" dirty="0" smtClean="0"/>
-              <a:t>ure </a:t>
-            </a:r>
-            <a:r>
-              <a:rPr lang="en-AU" dirty="0" smtClean="0"/>
-              <a:t>evented </a:t>
-            </a:r>
-            <a:r>
-              <a:rPr lang="en-AU" dirty="0" smtClean="0"/>
-              <a:t> I/O with </a:t>
-            </a:r>
-            <a:r>
-              <a:rPr lang="en-AU" dirty="0" smtClean="0"/>
-              <a:t>non blocking </a:t>
-            </a:r>
-            <a:r>
-              <a:rPr lang="en-AU" dirty="0" smtClean="0"/>
-              <a:t>infrastructure , everything executes on a single thread</a:t>
+              <a:t>Asynchronous architecture - pure evented  I/O with non blocking infrastructure , everything executes on a single thread</a:t>
             </a:r>
           </a:p>
           <a:p>
@@ -11280,7 +11314,6 @@
               <a:rPr lang="en-AU" dirty="0" smtClean="0"/>
               <a:t>, NodeSter.com(EC2,Rackspace,GoGrid!)  </a:t>
             </a:r>
-            <a:endParaRPr lang="en-AU" dirty="0" smtClean="0"/>
           </a:p>
           <a:p>
             <a:endParaRPr lang="en-AU" dirty="0" smtClean="0"/>

--- a/presentation/Sydney Azure User Group - Node.js .pptx
+++ b/presentation/Sydney Azure User Group - Node.js .pptx
@@ -10385,12 +10385,61 @@
           <a:p>
             <a:r>
               <a:rPr lang="en-AU" dirty="0" smtClean="0"/>
-              <a:t>Only uses 1 core .. Need to run other stuff to </a:t>
+              <a:t>Only uses 1 core .. Need to run </a:t>
+            </a:r>
+            <a:r>
+              <a:rPr lang="en-AU" dirty="0" smtClean="0"/>
+              <a:t>Cluster ?? To </a:t>
+            </a:r>
+            <a:r>
+              <a:rPr lang="en-AU" dirty="0" smtClean="0"/>
+              <a:t> get  </a:t>
+            </a:r>
+            <a:r>
+              <a:rPr lang="en-AU" dirty="0" smtClean="0"/>
+              <a:t>multi core </a:t>
+            </a:r>
+            <a:r>
+              <a:rPr lang="en-AU" dirty="0"/>
+              <a:t> </a:t>
+            </a:r>
+            <a:r>
+              <a:rPr lang="en-AU" dirty="0" smtClean="0"/>
+              <a:t>and then there is no inter process </a:t>
+            </a:r>
+            <a:r>
+              <a:rPr lang="en-AU" dirty="0" err="1" smtClean="0"/>
+              <a:t>comms</a:t>
+            </a:r>
+            <a:endParaRPr lang="en-AU" dirty="0" smtClean="0"/>
+          </a:p>
+          <a:p>
+            <a:r>
+              <a:rPr lang="en-AU" dirty="0" smtClean="0"/>
+              <a:t>Like no </a:t>
+            </a:r>
+            <a:r>
+              <a:rPr lang="en-AU" dirty="0" err="1" smtClean="0"/>
+              <a:t>sql</a:t>
+            </a:r>
+            <a:r>
+              <a:rPr lang="en-AU" dirty="0" smtClean="0"/>
+              <a:t> </a:t>
+            </a:r>
+            <a:r>
+              <a:rPr lang="en-AU" dirty="0" err="1" smtClean="0"/>
+              <a:t>ovement</a:t>
+            </a:r>
+            <a:r>
+              <a:rPr lang="en-AU" dirty="0" smtClean="0"/>
+              <a:t> for </a:t>
             </a:r>
             <a:r>
               <a:rPr lang="en-AU" smtClean="0"/>
-              <a:t>get multi core </a:t>
-            </a:r>
+              <a:t>web servers…</a:t>
+            </a:r>
+          </a:p>
+          <a:p>
             <a:endParaRPr lang="en-AU" dirty="0" smtClean="0"/>
           </a:p>
           <a:p>
@@ -10793,11 +10842,7 @@
             </a:pPr>
             <a:r>
               <a:rPr lang="en-AU" dirty="0" smtClean="0"/>
-              <a:t>POWERSHELL</a:t>
-            </a:r>
-            <a:r>
-              <a:rPr lang="en-AU" dirty="0" smtClean="0"/>
-              <a:t>..</a:t>
+              <a:t>POWERSHELL..</a:t>
             </a:r>
           </a:p>
           <a:p>
@@ -13177,6 +13222,21 @@
 </file>
 
 <file path=customXml/item1.xml><?xml version="1.0" encoding="utf-8"?>
+<p:properties xmlns:p="http://schemas.microsoft.com/office/2006/metadata/properties" xmlns:xsi="http://www.w3.org/2001/XMLSchema-instance">
+  <documentManagement/>
+</p:properties>
+</file>
+
+<file path=customXml/item2.xml><?xml version="1.0" encoding="utf-8"?>
+<?mso-contentType ?>
+<FormTemplates xmlns="http://schemas.microsoft.com/sharepoint/v3/contenttype/forms">
+  <Display>DocumentLibraryForm</Display>
+  <Edit>DocumentLibraryForm</Edit>
+  <New>DocumentLibraryForm</New>
+</FormTemplates>
+</file>
+
+<file path=customXml/item3.xml><?xml version="1.0" encoding="utf-8"?>
 <?mso-contentType ?>
 <rca:RCAuthoringProperties xmlns:rca="urn:sharePointPublishingRcaProperties">
   <rca:Converter rca:guid="6dfdc5b4-2a28-4a06-b0c6-ad3901e3a807">
@@ -13192,21 +13252,6 @@
     <rca:property rca:type="ConverterSpecificSettings"/>
   </rca:Converter>
 </rca:RCAuthoringProperties>
-</file>
-
-<file path=customXml/item2.xml><?xml version="1.0" encoding="utf-8"?>
-<?mso-contentType ?>
-<FormTemplates xmlns="http://schemas.microsoft.com/sharepoint/v3/contenttype/forms">
-  <Display>DocumentLibraryForm</Display>
-  <Edit>DocumentLibraryForm</Edit>
-  <New>DocumentLibraryForm</New>
-</FormTemplates>
-</file>
-
-<file path=customXml/item3.xml><?xml version="1.0" encoding="utf-8"?>
-<p:properties xmlns:p="http://schemas.microsoft.com/office/2006/metadata/properties" xmlns:xsi="http://www.w3.org/2001/XMLSchema-instance">
-  <documentManagement/>
-</p:properties>
 </file>
 
 <file path=customXml/item4.xml><?xml version="1.0" encoding="utf-8"?>
@@ -13259,9 +13304,15 @@
 </file>
 
 <file path=customXml/itemProps1.xml><?xml version="1.0" encoding="utf-8"?>
-<ds:datastoreItem xmlns:ds="http://schemas.openxmlformats.org/officeDocument/2006/customXml" ds:itemID="{37DE6E84-255A-45E8-8353-BCD6A4998E02}">
+<ds:datastoreItem xmlns:ds="http://schemas.openxmlformats.org/officeDocument/2006/customXml" ds:itemID="{BDEC00FF-5F1B-415D-9C89-173832172D95}">
   <ds:schemaRefs>
-    <ds:schemaRef ds:uri="urn:sharePointPublishingRcaProperties"/>
+    <ds:schemaRef ds:uri="http://schemas.microsoft.com/office/2006/metadata/properties"/>
+    <ds:schemaRef ds:uri="http://schemas.openxmlformats.org/package/2006/metadata/core-properties"/>
+    <ds:schemaRef ds:uri="http://schemas.microsoft.com/office/2006/documentManagement/types"/>
+    <ds:schemaRef ds:uri="http://purl.org/dc/elements/1.1/"/>
+    <ds:schemaRef ds:uri="http://purl.org/dc/dcmitype/"/>
+    <ds:schemaRef ds:uri="http://purl.org/dc/terms/"/>
+    <ds:schemaRef ds:uri="http://www.w3.org/XML/1998/namespace"/>
   </ds:schemaRefs>
 </ds:datastoreItem>
 </file>
@@ -13275,15 +13326,9 @@
 </file>
 
 <file path=customXml/itemProps3.xml><?xml version="1.0" encoding="utf-8"?>
-<ds:datastoreItem xmlns:ds="http://schemas.openxmlformats.org/officeDocument/2006/customXml" ds:itemID="{BDEC00FF-5F1B-415D-9C89-173832172D95}">
+<ds:datastoreItem xmlns:ds="http://schemas.openxmlformats.org/officeDocument/2006/customXml" ds:itemID="{37DE6E84-255A-45E8-8353-BCD6A4998E02}">
   <ds:schemaRefs>
-    <ds:schemaRef ds:uri="http://schemas.microsoft.com/office/2006/metadata/properties"/>
-    <ds:schemaRef ds:uri="http://schemas.openxmlformats.org/package/2006/metadata/core-properties"/>
-    <ds:schemaRef ds:uri="http://schemas.microsoft.com/office/2006/documentManagement/types"/>
-    <ds:schemaRef ds:uri="http://purl.org/dc/elements/1.1/"/>
-    <ds:schemaRef ds:uri="http://purl.org/dc/dcmitype/"/>
-    <ds:schemaRef ds:uri="http://purl.org/dc/terms/"/>
-    <ds:schemaRef ds:uri="http://www.w3.org/XML/1998/namespace"/>
+    <ds:schemaRef ds:uri="urn:sharePointPublishingRcaProperties"/>
   </ds:schemaRefs>
 </ds:datastoreItem>
 </file>

--- a/presentation/Sydney Azure User Group - Node.js .pptx
+++ b/presentation/Sydney Azure User Group - Node.js .pptx
@@ -7,10 +7,10 @@
     <p:sldMasterId id="2147483681" r:id="rId7"/>
   </p:sldMasterIdLst>
   <p:notesMasterIdLst>
-    <p:notesMasterId r:id="rId27"/>
+    <p:notesMasterId r:id="rId28"/>
   </p:notesMasterIdLst>
   <p:handoutMasterIdLst>
-    <p:handoutMasterId r:id="rId28"/>
+    <p:handoutMasterId r:id="rId29"/>
   </p:handoutMasterIdLst>
   <p:sldIdLst>
     <p:sldId id="256" r:id="rId8"/>
@@ -29,9 +29,10 @@
     <p:sldId id="272" r:id="rId21"/>
     <p:sldId id="273" r:id="rId22"/>
     <p:sldId id="259" r:id="rId23"/>
-    <p:sldId id="275" r:id="rId24"/>
-    <p:sldId id="274" r:id="rId25"/>
-    <p:sldId id="269" r:id="rId26"/>
+    <p:sldId id="276" r:id="rId24"/>
+    <p:sldId id="275" r:id="rId25"/>
+    <p:sldId id="274" r:id="rId26"/>
+    <p:sldId id="269" r:id="rId27"/>
   </p:sldIdLst>
   <p:sldSz cx="9144000" cy="6858000" type="screen4x3"/>
   <p:notesSz cx="7099300" cy="10234613"/>
@@ -222,7 +223,7 @@
             <a:fld id="{7785875F-706E-40BB-864A-2D06F0E4670E}" type="datetimeFigureOut">
               <a:rPr lang="en-AU" smtClean="0"/>
               <a:pPr/>
-              <a:t>13/02/2012</a:t>
+              <a:t>28/02/2012</a:t>
             </a:fld>
             <a:endParaRPr lang="en-AU" dirty="0"/>
           </a:p>
@@ -389,7 +390,7 @@
             <a:fld id="{7DDF49B5-0C03-42A4-A086-8D97D52D2493}" type="datetimeFigureOut">
               <a:rPr lang="en-AU" smtClean="0"/>
               <a:pPr/>
-              <a:t>13/02/2012</a:t>
+              <a:t>28/02/2012</a:t>
             </a:fld>
             <a:endParaRPr lang="en-AU" dirty="0"/>
           </a:p>
@@ -2684,7 +2685,7 @@
             <a:fld id="{CA10310C-7EC1-470A-8BF5-D51EF2D864BA}" type="datetimeFigureOut">
               <a:rPr lang="en-AU" smtClean="0"/>
               <a:pPr/>
-              <a:t>13/02/2012</a:t>
+              <a:t>28/02/2012</a:t>
             </a:fld>
             <a:endParaRPr lang="en-AU"/>
           </a:p>
@@ -2851,7 +2852,7 @@
             <a:fld id="{CA10310C-7EC1-470A-8BF5-D51EF2D864BA}" type="datetimeFigureOut">
               <a:rPr lang="en-AU" smtClean="0"/>
               <a:pPr/>
-              <a:t>13/02/2012</a:t>
+              <a:t>28/02/2012</a:t>
             </a:fld>
             <a:endParaRPr lang="en-AU"/>
           </a:p>
@@ -3094,7 +3095,7 @@
             <a:fld id="{CA10310C-7EC1-470A-8BF5-D51EF2D864BA}" type="datetimeFigureOut">
               <a:rPr lang="en-AU" smtClean="0"/>
               <a:pPr/>
-              <a:t>13/02/2012</a:t>
+              <a:t>28/02/2012</a:t>
             </a:fld>
             <a:endParaRPr lang="en-AU"/>
           </a:p>
@@ -3379,7 +3380,7 @@
             <a:fld id="{CA10310C-7EC1-470A-8BF5-D51EF2D864BA}" type="datetimeFigureOut">
               <a:rPr lang="en-AU" smtClean="0"/>
               <a:pPr/>
-              <a:t>13/02/2012</a:t>
+              <a:t>28/02/2012</a:t>
             </a:fld>
             <a:endParaRPr lang="en-AU"/>
           </a:p>
@@ -3798,7 +3799,7 @@
             <a:fld id="{CA10310C-7EC1-470A-8BF5-D51EF2D864BA}" type="datetimeFigureOut">
               <a:rPr lang="en-AU" smtClean="0"/>
               <a:pPr/>
-              <a:t>13/02/2012</a:t>
+              <a:t>28/02/2012</a:t>
             </a:fld>
             <a:endParaRPr lang="en-AU"/>
           </a:p>
@@ -3913,7 +3914,7 @@
             <a:fld id="{CA10310C-7EC1-470A-8BF5-D51EF2D864BA}" type="datetimeFigureOut">
               <a:rPr lang="en-AU" smtClean="0"/>
               <a:pPr/>
-              <a:t>13/02/2012</a:t>
+              <a:t>28/02/2012</a:t>
             </a:fld>
             <a:endParaRPr lang="en-AU"/>
           </a:p>
@@ -4005,7 +4006,7 @@
             <a:fld id="{CA10310C-7EC1-470A-8BF5-D51EF2D864BA}" type="datetimeFigureOut">
               <a:rPr lang="en-AU" smtClean="0"/>
               <a:pPr/>
-              <a:t>13/02/2012</a:t>
+              <a:t>28/02/2012</a:t>
             </a:fld>
             <a:endParaRPr lang="en-AU"/>
           </a:p>
@@ -4279,7 +4280,7 @@
             <a:fld id="{CA10310C-7EC1-470A-8BF5-D51EF2D864BA}" type="datetimeFigureOut">
               <a:rPr lang="en-AU" smtClean="0"/>
               <a:pPr/>
-              <a:t>13/02/2012</a:t>
+              <a:t>28/02/2012</a:t>
             </a:fld>
             <a:endParaRPr lang="en-AU"/>
           </a:p>
@@ -4529,7 +4530,7 @@
             <a:fld id="{CA10310C-7EC1-470A-8BF5-D51EF2D864BA}" type="datetimeFigureOut">
               <a:rPr lang="en-AU" smtClean="0"/>
               <a:pPr/>
-              <a:t>13/02/2012</a:t>
+              <a:t>28/02/2012</a:t>
             </a:fld>
             <a:endParaRPr lang="en-AU"/>
           </a:p>
@@ -4696,7 +4697,7 @@
             <a:fld id="{CA10310C-7EC1-470A-8BF5-D51EF2D864BA}" type="datetimeFigureOut">
               <a:rPr lang="en-AU" smtClean="0"/>
               <a:pPr/>
-              <a:t>13/02/2012</a:t>
+              <a:t>28/02/2012</a:t>
             </a:fld>
             <a:endParaRPr lang="en-AU"/>
           </a:p>
@@ -4982,7 +4983,7 @@
             <a:fld id="{CA10310C-7EC1-470A-8BF5-D51EF2D864BA}" type="datetimeFigureOut">
               <a:rPr lang="en-AU" smtClean="0"/>
               <a:pPr/>
-              <a:t>13/02/2012</a:t>
+              <a:t>28/02/2012</a:t>
             </a:fld>
             <a:endParaRPr lang="en-AU"/>
           </a:p>
@@ -5221,7 +5222,7 @@
             <a:fld id="{85CE8AA0-9735-4FA2-95DD-391EE93AFE89}" type="datetimeFigureOut">
               <a:rPr lang="en-AU" smtClean="0"/>
               <a:pPr/>
-              <a:t>13/02/2012</a:t>
+              <a:t>28/02/2012</a:t>
             </a:fld>
             <a:endParaRPr lang="en-AU"/>
           </a:p>
@@ -5388,7 +5389,7 @@
             <a:fld id="{85CE8AA0-9735-4FA2-95DD-391EE93AFE89}" type="datetimeFigureOut">
               <a:rPr lang="en-AU" smtClean="0"/>
               <a:pPr/>
-              <a:t>13/02/2012</a:t>
+              <a:t>28/02/2012</a:t>
             </a:fld>
             <a:endParaRPr lang="en-AU"/>
           </a:p>
@@ -5631,7 +5632,7 @@
             <a:fld id="{85CE8AA0-9735-4FA2-95DD-391EE93AFE89}" type="datetimeFigureOut">
               <a:rPr lang="en-AU" smtClean="0"/>
               <a:pPr/>
-              <a:t>13/02/2012</a:t>
+              <a:t>28/02/2012</a:t>
             </a:fld>
             <a:endParaRPr lang="en-AU"/>
           </a:p>
@@ -5916,7 +5917,7 @@
             <a:fld id="{85CE8AA0-9735-4FA2-95DD-391EE93AFE89}" type="datetimeFigureOut">
               <a:rPr lang="en-AU" smtClean="0"/>
               <a:pPr/>
-              <a:t>13/02/2012</a:t>
+              <a:t>28/02/2012</a:t>
             </a:fld>
             <a:endParaRPr lang="en-AU"/>
           </a:p>
@@ -6335,7 +6336,7 @@
             <a:fld id="{85CE8AA0-9735-4FA2-95DD-391EE93AFE89}" type="datetimeFigureOut">
               <a:rPr lang="en-AU" smtClean="0"/>
               <a:pPr/>
-              <a:t>13/02/2012</a:t>
+              <a:t>28/02/2012</a:t>
             </a:fld>
             <a:endParaRPr lang="en-AU"/>
           </a:p>
@@ -6450,7 +6451,7 @@
             <a:fld id="{85CE8AA0-9735-4FA2-95DD-391EE93AFE89}" type="datetimeFigureOut">
               <a:rPr lang="en-AU" smtClean="0"/>
               <a:pPr/>
-              <a:t>13/02/2012</a:t>
+              <a:t>28/02/2012</a:t>
             </a:fld>
             <a:endParaRPr lang="en-AU"/>
           </a:p>
@@ -6542,7 +6543,7 @@
             <a:fld id="{85CE8AA0-9735-4FA2-95DD-391EE93AFE89}" type="datetimeFigureOut">
               <a:rPr lang="en-AU" smtClean="0"/>
               <a:pPr/>
-              <a:t>13/02/2012</a:t>
+              <a:t>28/02/2012</a:t>
             </a:fld>
             <a:endParaRPr lang="en-AU"/>
           </a:p>
@@ -6816,7 +6817,7 @@
             <a:fld id="{85CE8AA0-9735-4FA2-95DD-391EE93AFE89}" type="datetimeFigureOut">
               <a:rPr lang="en-AU" smtClean="0"/>
               <a:pPr/>
-              <a:t>13/02/2012</a:t>
+              <a:t>28/02/2012</a:t>
             </a:fld>
             <a:endParaRPr lang="en-AU"/>
           </a:p>
@@ -7066,7 +7067,7 @@
             <a:fld id="{85CE8AA0-9735-4FA2-95DD-391EE93AFE89}" type="datetimeFigureOut">
               <a:rPr lang="en-AU" smtClean="0"/>
               <a:pPr/>
-              <a:t>13/02/2012</a:t>
+              <a:t>28/02/2012</a:t>
             </a:fld>
             <a:endParaRPr lang="en-AU"/>
           </a:p>
@@ -7342,7 +7343,7 @@
             <a:fld id="{85CE8AA0-9735-4FA2-95DD-391EE93AFE89}" type="datetimeFigureOut">
               <a:rPr lang="en-AU" smtClean="0"/>
               <a:pPr/>
-              <a:t>13/02/2012</a:t>
+              <a:t>28/02/2012</a:t>
             </a:fld>
             <a:endParaRPr lang="en-AU"/>
           </a:p>
@@ -7519,7 +7520,7 @@
             <a:fld id="{85CE8AA0-9735-4FA2-95DD-391EE93AFE89}" type="datetimeFigureOut">
               <a:rPr lang="en-AU" smtClean="0"/>
               <a:pPr/>
-              <a:t>13/02/2012</a:t>
+              <a:t>28/02/2012</a:t>
             </a:fld>
             <a:endParaRPr lang="en-AU"/>
           </a:p>
@@ -7634,7 +7635,7 @@
             <a:fld id="{85CE8AA0-9735-4FA2-95DD-391EE93AFE89}" type="datetimeFigureOut">
               <a:rPr lang="en-AU" smtClean="0"/>
               <a:pPr/>
-              <a:t>13/02/2012</a:t>
+              <a:t>28/02/2012</a:t>
             </a:fld>
             <a:endParaRPr lang="en-AU"/>
           </a:p>
@@ -8722,7 +8723,7 @@
             <a:fld id="{CA10310C-7EC1-470A-8BF5-D51EF2D864BA}" type="datetimeFigureOut">
               <a:rPr lang="en-AU" smtClean="0"/>
               <a:pPr/>
-              <a:t>13/02/2012</a:t>
+              <a:t>28/02/2012</a:t>
             </a:fld>
             <a:endParaRPr lang="en-AU"/>
           </a:p>
@@ -9232,7 +9233,7 @@
             <a:fld id="{85CE8AA0-9735-4FA2-95DD-391EE93AFE89}" type="datetimeFigureOut">
               <a:rPr lang="en-AU" smtClean="0"/>
               <a:pPr/>
-              <a:t>13/02/2012</a:t>
+              <a:t>28/02/2012</a:t>
             </a:fld>
             <a:endParaRPr lang="en-AU"/>
           </a:p>
@@ -10385,19 +10386,7 @@
           <a:p>
             <a:r>
               <a:rPr lang="en-AU" dirty="0" smtClean="0"/>
-              <a:t>Only uses 1 core .. Need to run </a:t>
-            </a:r>
-            <a:r>
-              <a:rPr lang="en-AU" dirty="0" smtClean="0"/>
-              <a:t>Cluster ?? To </a:t>
-            </a:r>
-            <a:r>
-              <a:rPr lang="en-AU" dirty="0" smtClean="0"/>
-              <a:t> get  </a:t>
-            </a:r>
-            <a:r>
-              <a:rPr lang="en-AU" dirty="0" smtClean="0"/>
-              <a:t>multi core </a:t>
+              <a:t>Only uses 1 core .. Need to run Cluster ?? To  get  multi core </a:t>
             </a:r>
             <a:r>
               <a:rPr lang="en-AU" dirty="0"/>
@@ -10711,7 +10700,7 @@
           <a:p>
             <a:r>
               <a:rPr lang="en-AU" dirty="0" smtClean="0"/>
-              <a:t>Demo building simple chat client and deploying to azure</a:t>
+              <a:t>Debugging	</a:t>
             </a:r>
             <a:endParaRPr lang="en-AU" dirty="0"/>
           </a:p>
@@ -10732,6 +10721,20 @@
           <a:bodyPr/>
           <a:lstStyle/>
           <a:p>
+            <a:r>
+              <a:rPr lang="en-AU" dirty="0" smtClean="0"/>
+              <a:t>Quick demo of node inspector &amp; point out it doesn’t work in IE !!!</a:t>
+            </a:r>
+          </a:p>
+          <a:p>
+            <a:r>
+              <a:rPr lang="en-AU" dirty="0" smtClean="0"/>
+              <a:t>Can you debug </a:t>
+            </a:r>
+            <a:r>
+              <a:rPr lang="en-AU" smtClean="0"/>
+              <a:t>in cloud 9…</a:t>
+            </a:r>
             <a:endParaRPr lang="en-AU"/>
           </a:p>
         </p:txBody>
@@ -10739,7 +10742,7 @@
     </p:spTree>
     <p:extLst>
       <p:ext uri="{BB962C8B-B14F-4D97-AF65-F5344CB8AC3E}">
-        <p14:creationId xmlns:p14="http://schemas.microsoft.com/office/powerpoint/2010/main" val="3133931461"/>
+        <p14:creationId xmlns:p14="http://schemas.microsoft.com/office/powerpoint/2010/main" val="1919157066"/>
       </p:ext>
     </p:extLst>
   </p:cSld>
@@ -10786,7 +10789,7 @@
           <a:p>
             <a:r>
               <a:rPr lang="en-AU" dirty="0" smtClean="0"/>
-              <a:t>Tools</a:t>
+              <a:t>Demo building simple chat client and deploying to azure</a:t>
             </a:r>
             <a:endParaRPr lang="en-AU" dirty="0"/>
           </a:p>
@@ -10807,83 +10810,14 @@
           <a:bodyPr/>
           <a:lstStyle/>
           <a:p>
-            <a:pPr marL="0" indent="0">
-              <a:buNone/>
-            </a:pPr>
-            <a:r>
-              <a:rPr lang="en-AU" dirty="0" smtClean="0"/>
-              <a:t>IISNODE</a:t>
-            </a:r>
-          </a:p>
-          <a:p>
-            <a:pPr marL="0" indent="0">
-              <a:buNone/>
-            </a:pPr>
-            <a:endParaRPr lang="en-AU" dirty="0"/>
-          </a:p>
-          <a:p>
-            <a:pPr marL="0" indent="0">
-              <a:buNone/>
-            </a:pPr>
-            <a:r>
-              <a:rPr lang="en-AU" dirty="0" smtClean="0"/>
-              <a:t>DEBUGGING</a:t>
-            </a:r>
-          </a:p>
-          <a:p>
-            <a:pPr marL="0" indent="0">
-              <a:buNone/>
-            </a:pPr>
-            <a:endParaRPr lang="en-AU" dirty="0"/>
-          </a:p>
-          <a:p>
-            <a:pPr marL="0" indent="0">
-              <a:buNone/>
-            </a:pPr>
-            <a:r>
-              <a:rPr lang="en-AU" dirty="0" smtClean="0"/>
-              <a:t>POWERSHELL..</a:t>
-            </a:r>
-          </a:p>
-          <a:p>
-            <a:pPr marL="0" indent="0">
-              <a:buNone/>
-            </a:pPr>
-            <a:endParaRPr lang="en-AU" dirty="0"/>
-          </a:p>
-          <a:p>
-            <a:pPr marL="0" indent="0">
-              <a:buNone/>
-            </a:pPr>
-            <a:r>
-              <a:rPr lang="en-AU" dirty="0" smtClean="0"/>
-              <a:t>Cloud9ide – built purely on node</a:t>
-            </a:r>
-          </a:p>
-          <a:p>
-            <a:pPr marL="0" indent="0">
-              <a:buNone/>
-            </a:pPr>
-            <a:r>
-              <a:rPr lang="en-AU" dirty="0" smtClean="0"/>
-              <a:t>Node more active followers than </a:t>
-            </a:r>
-            <a:r>
-              <a:rPr lang="en-AU" dirty="0" err="1" smtClean="0"/>
-              <a:t>jquery</a:t>
-            </a:r>
-            <a:r>
-              <a:rPr lang="en-AU" dirty="0" smtClean="0"/>
-              <a:t>…</a:t>
-            </a:r>
-            <a:endParaRPr lang="en-AU" dirty="0"/>
+            <a:endParaRPr lang="en-AU"/>
           </a:p>
         </p:txBody>
       </p:sp>
     </p:spTree>
     <p:extLst>
       <p:ext uri="{BB962C8B-B14F-4D97-AF65-F5344CB8AC3E}">
-        <p14:creationId xmlns:p14="http://schemas.microsoft.com/office/powerpoint/2010/main" val="1314991676"/>
+        <p14:creationId xmlns:p14="http://schemas.microsoft.com/office/powerpoint/2010/main" val="3133931461"/>
       </p:ext>
     </p:extLst>
   </p:cSld>
@@ -10930,7 +10864,7 @@
           <a:p>
             <a:r>
               <a:rPr lang="en-AU" dirty="0" smtClean="0"/>
-              <a:t>References</a:t>
+              <a:t>Tools</a:t>
             </a:r>
             <a:endParaRPr lang="en-AU" dirty="0"/>
           </a:p>
@@ -10938,7 +10872,7 @@
       </p:sp>
       <p:sp>
         <p:nvSpPr>
-          <p:cNvPr id="4" name="Title 1"/>
+          <p:cNvPr id="3" name="Text Placeholder 2"/>
           <p:cNvSpPr>
             <a:spLocks noGrp="1"/>
           </p:cNvSpPr>
@@ -10951,39 +10885,83 @@
           <a:bodyPr/>
           <a:lstStyle/>
           <a:p>
+            <a:pPr marL="0" indent="0">
+              <a:buNone/>
+            </a:pPr>
             <a:r>
               <a:rPr lang="en-AU" dirty="0" smtClean="0"/>
-              <a:t>Evented I/O explained </a:t>
-            </a:r>
-            <a:r>
-              <a:rPr lang="en-AU" sz="2000" dirty="0" smtClean="0"/>
-              <a:t>( </a:t>
-            </a:r>
-            <a:r>
-              <a:rPr lang="en-AU" sz="2000" dirty="0"/>
-              <a:t>courtesy of Simon </a:t>
-            </a:r>
-            <a:r>
-              <a:rPr lang="en-AU" sz="2000" dirty="0" err="1" smtClean="0"/>
-              <a:t>Willison</a:t>
-            </a:r>
-            <a:r>
-              <a:rPr lang="en-AU" sz="2000" dirty="0" smtClean="0"/>
-              <a:t>)</a:t>
-            </a:r>
-          </a:p>
-          <a:p>
-            <a:r>
-              <a:rPr lang="en-AU" sz="2000" dirty="0"/>
-              <a:t>http://www.slideshare.net/simon/evented-io-based-web-servers-explained-using-bunnies</a:t>
-            </a:r>
+              <a:t>IISNODE</a:t>
+            </a:r>
+          </a:p>
+          <a:p>
+            <a:pPr marL="0" indent="0">
+              <a:buNone/>
+            </a:pPr>
+            <a:endParaRPr lang="en-AU" dirty="0"/>
+          </a:p>
+          <a:p>
+            <a:pPr marL="0" indent="0">
+              <a:buNone/>
+            </a:pPr>
+            <a:r>
+              <a:rPr lang="en-AU" dirty="0" smtClean="0"/>
+              <a:t>DEBUGGING</a:t>
+            </a:r>
+          </a:p>
+          <a:p>
+            <a:pPr marL="0" indent="0">
+              <a:buNone/>
+            </a:pPr>
+            <a:endParaRPr lang="en-AU" dirty="0"/>
+          </a:p>
+          <a:p>
+            <a:pPr marL="0" indent="0">
+              <a:buNone/>
+            </a:pPr>
+            <a:r>
+              <a:rPr lang="en-AU" dirty="0" smtClean="0"/>
+              <a:t>POWERSHELL..</a:t>
+            </a:r>
+          </a:p>
+          <a:p>
+            <a:pPr marL="0" indent="0">
+              <a:buNone/>
+            </a:pPr>
+            <a:endParaRPr lang="en-AU" dirty="0"/>
+          </a:p>
+          <a:p>
+            <a:pPr marL="0" indent="0">
+              <a:buNone/>
+            </a:pPr>
+            <a:r>
+              <a:rPr lang="en-AU" dirty="0" smtClean="0"/>
+              <a:t>Cloud9ide – built purely on node</a:t>
+            </a:r>
+          </a:p>
+          <a:p>
+            <a:pPr marL="0" indent="0">
+              <a:buNone/>
+            </a:pPr>
+            <a:r>
+              <a:rPr lang="en-AU" dirty="0" smtClean="0"/>
+              <a:t>Node more active followers than </a:t>
+            </a:r>
+            <a:r>
+              <a:rPr lang="en-AU" dirty="0" err="1" smtClean="0"/>
+              <a:t>jquery</a:t>
+            </a:r>
+            <a:r>
+              <a:rPr lang="en-AU" dirty="0" smtClean="0"/>
+              <a:t>…</a:t>
+            </a:r>
+            <a:endParaRPr lang="en-AU" dirty="0"/>
           </a:p>
         </p:txBody>
       </p:sp>
     </p:spTree>
     <p:extLst>
       <p:ext uri="{BB962C8B-B14F-4D97-AF65-F5344CB8AC3E}">
-        <p14:creationId xmlns:p14="http://schemas.microsoft.com/office/powerpoint/2010/main" val="252603141"/>
+        <p14:creationId xmlns:p14="http://schemas.microsoft.com/office/powerpoint/2010/main" val="1314991676"/>
       </p:ext>
     </p:extLst>
   </p:cSld>
@@ -10993,13 +10971,6 @@
   <p:transition>
     <p:fade thruBlk="1"/>
   </p:transition>
-  <p:timing>
-    <p:tnLst>
-      <p:par>
-        <p:cTn id="1" dur="indefinite" restart="never" nodeType="tmRoot"/>
-      </p:par>
-    </p:tnLst>
-  </p:timing>
 </p:sld>
 </file>
 
@@ -11098,6 +11069,113 @@
     <p:extLst>
       <p:ext uri="{BB962C8B-B14F-4D97-AF65-F5344CB8AC3E}">
         <p14:creationId xmlns:p14="http://schemas.microsoft.com/office/powerpoint/2010/main" val="1321682106"/>
+      </p:ext>
+    </p:extLst>
+  </p:cSld>
+  <p:clrMapOvr>
+    <a:masterClrMapping/>
+  </p:clrMapOvr>
+  <p:transition>
+    <p:fade thruBlk="1"/>
+  </p:transition>
+  <p:timing>
+    <p:tnLst>
+      <p:par>
+        <p:cTn id="1" dur="indefinite" restart="never" nodeType="tmRoot"/>
+      </p:par>
+    </p:tnLst>
+  </p:timing>
+</p:sld>
+</file>
+
+<file path=ppt/slides/slide20.xml><?xml version="1.0" encoding="utf-8"?>
+<p:sld xmlns:a="http://schemas.openxmlformats.org/drawingml/2006/main" xmlns:r="http://schemas.openxmlformats.org/officeDocument/2006/relationships" xmlns:p="http://schemas.openxmlformats.org/presentationml/2006/main">
+  <p:cSld>
+    <p:spTree>
+      <p:nvGrpSpPr>
+        <p:cNvPr id="1" name=""/>
+        <p:cNvGrpSpPr/>
+        <p:nvPr/>
+      </p:nvGrpSpPr>
+      <p:grpSpPr>
+        <a:xfrm>
+          <a:off x="0" y="0"/>
+          <a:ext cx="0" cy="0"/>
+          <a:chOff x="0" y="0"/>
+          <a:chExt cx="0" cy="0"/>
+        </a:xfrm>
+      </p:grpSpPr>
+      <p:sp>
+        <p:nvSpPr>
+          <p:cNvPr id="2" name="Title 1"/>
+          <p:cNvSpPr>
+            <a:spLocks noGrp="1"/>
+          </p:cNvSpPr>
+          <p:nvPr>
+            <p:ph type="title"/>
+          </p:nvPr>
+        </p:nvSpPr>
+        <p:spPr/>
+        <p:txBody>
+          <a:bodyPr/>
+          <a:lstStyle/>
+          <a:p>
+            <a:r>
+              <a:rPr lang="en-AU" dirty="0" smtClean="0"/>
+              <a:t>References</a:t>
+            </a:r>
+            <a:endParaRPr lang="en-AU" dirty="0"/>
+          </a:p>
+        </p:txBody>
+      </p:sp>
+      <p:sp>
+        <p:nvSpPr>
+          <p:cNvPr id="4" name="Title 1"/>
+          <p:cNvSpPr>
+            <a:spLocks noGrp="1"/>
+          </p:cNvSpPr>
+          <p:nvPr>
+            <p:ph type="body" sz="quarter" idx="10"/>
+          </p:nvPr>
+        </p:nvSpPr>
+        <p:spPr/>
+        <p:txBody>
+          <a:bodyPr/>
+          <a:lstStyle/>
+          <a:p>
+            <a:r>
+              <a:rPr lang="en-AU" dirty="0" smtClean="0"/>
+              <a:t>Evented I/O explained </a:t>
+            </a:r>
+            <a:r>
+              <a:rPr lang="en-AU" sz="2000" dirty="0" smtClean="0"/>
+              <a:t>( </a:t>
+            </a:r>
+            <a:r>
+              <a:rPr lang="en-AU" sz="2000" dirty="0"/>
+              <a:t>courtesy of Simon </a:t>
+            </a:r>
+            <a:r>
+              <a:rPr lang="en-AU" sz="2000" dirty="0" err="1" smtClean="0"/>
+              <a:t>Willison</a:t>
+            </a:r>
+            <a:r>
+              <a:rPr lang="en-AU" sz="2000" dirty="0" smtClean="0"/>
+              <a:t>)</a:t>
+            </a:r>
+          </a:p>
+          <a:p>
+            <a:r>
+              <a:rPr lang="en-AU" sz="2000" dirty="0"/>
+              <a:t>http://www.slideshare.net/simon/evented-io-based-web-servers-explained-using-bunnies</a:t>
+            </a:r>
+          </a:p>
+        </p:txBody>
+      </p:sp>
+    </p:spTree>
+    <p:extLst>
+      <p:ext uri="{BB962C8B-B14F-4D97-AF65-F5344CB8AC3E}">
+        <p14:creationId xmlns:p14="http://schemas.microsoft.com/office/powerpoint/2010/main" val="252603141"/>
       </p:ext>
     </p:extLst>
   </p:cSld>
@@ -13222,21 +13300,6 @@
 </file>
 
 <file path=customXml/item1.xml><?xml version="1.0" encoding="utf-8"?>
-<p:properties xmlns:p="http://schemas.microsoft.com/office/2006/metadata/properties" xmlns:xsi="http://www.w3.org/2001/XMLSchema-instance">
-  <documentManagement/>
-</p:properties>
-</file>
-
-<file path=customXml/item2.xml><?xml version="1.0" encoding="utf-8"?>
-<?mso-contentType ?>
-<FormTemplates xmlns="http://schemas.microsoft.com/sharepoint/v3/contenttype/forms">
-  <Display>DocumentLibraryForm</Display>
-  <Edit>DocumentLibraryForm</Edit>
-  <New>DocumentLibraryForm</New>
-</FormTemplates>
-</file>
-
-<file path=customXml/item3.xml><?xml version="1.0" encoding="utf-8"?>
 <?mso-contentType ?>
 <rca:RCAuthoringProperties xmlns:rca="urn:sharePointPublishingRcaProperties">
   <rca:Converter rca:guid="6dfdc5b4-2a28-4a06-b0c6-ad3901e3a807">
@@ -13252,6 +13315,21 @@
     <rca:property rca:type="ConverterSpecificSettings"/>
   </rca:Converter>
 </rca:RCAuthoringProperties>
+</file>
+
+<file path=customXml/item2.xml><?xml version="1.0" encoding="utf-8"?>
+<?mso-contentType ?>
+<FormTemplates xmlns="http://schemas.microsoft.com/sharepoint/v3/contenttype/forms">
+  <Display>DocumentLibraryForm</Display>
+  <Edit>DocumentLibraryForm</Edit>
+  <New>DocumentLibraryForm</New>
+</FormTemplates>
+</file>
+
+<file path=customXml/item3.xml><?xml version="1.0" encoding="utf-8"?>
+<p:properties xmlns:p="http://schemas.microsoft.com/office/2006/metadata/properties" xmlns:xsi="http://www.w3.org/2001/XMLSchema-instance">
+  <documentManagement/>
+</p:properties>
 </file>
 
 <file path=customXml/item4.xml><?xml version="1.0" encoding="utf-8"?>
@@ -13304,15 +13382,9 @@
 </file>
 
 <file path=customXml/itemProps1.xml><?xml version="1.0" encoding="utf-8"?>
-<ds:datastoreItem xmlns:ds="http://schemas.openxmlformats.org/officeDocument/2006/customXml" ds:itemID="{BDEC00FF-5F1B-415D-9C89-173832172D95}">
+<ds:datastoreItem xmlns:ds="http://schemas.openxmlformats.org/officeDocument/2006/customXml" ds:itemID="{37DE6E84-255A-45E8-8353-BCD6A4998E02}">
   <ds:schemaRefs>
-    <ds:schemaRef ds:uri="http://schemas.microsoft.com/office/2006/metadata/properties"/>
-    <ds:schemaRef ds:uri="http://schemas.openxmlformats.org/package/2006/metadata/core-properties"/>
-    <ds:schemaRef ds:uri="http://schemas.microsoft.com/office/2006/documentManagement/types"/>
-    <ds:schemaRef ds:uri="http://purl.org/dc/elements/1.1/"/>
-    <ds:schemaRef ds:uri="http://purl.org/dc/dcmitype/"/>
-    <ds:schemaRef ds:uri="http://purl.org/dc/terms/"/>
-    <ds:schemaRef ds:uri="http://www.w3.org/XML/1998/namespace"/>
+    <ds:schemaRef ds:uri="urn:sharePointPublishingRcaProperties"/>
   </ds:schemaRefs>
 </ds:datastoreItem>
 </file>
@@ -13326,9 +13398,15 @@
 </file>
 
 <file path=customXml/itemProps3.xml><?xml version="1.0" encoding="utf-8"?>
-<ds:datastoreItem xmlns:ds="http://schemas.openxmlformats.org/officeDocument/2006/customXml" ds:itemID="{37DE6E84-255A-45E8-8353-BCD6A4998E02}">
+<ds:datastoreItem xmlns:ds="http://schemas.openxmlformats.org/officeDocument/2006/customXml" ds:itemID="{BDEC00FF-5F1B-415D-9C89-173832172D95}">
   <ds:schemaRefs>
-    <ds:schemaRef ds:uri="urn:sharePointPublishingRcaProperties"/>
+    <ds:schemaRef ds:uri="http://schemas.microsoft.com/office/2006/metadata/properties"/>
+    <ds:schemaRef ds:uri="http://schemas.openxmlformats.org/package/2006/metadata/core-properties"/>
+    <ds:schemaRef ds:uri="http://schemas.microsoft.com/office/2006/documentManagement/types"/>
+    <ds:schemaRef ds:uri="http://purl.org/dc/elements/1.1/"/>
+    <ds:schemaRef ds:uri="http://purl.org/dc/dcmitype/"/>
+    <ds:schemaRef ds:uri="http://purl.org/dc/terms/"/>
+    <ds:schemaRef ds:uri="http://www.w3.org/XML/1998/namespace"/>
   </ds:schemaRefs>
 </ds:datastoreItem>
 </file>
